--- a/Scrum_Unterlagen/Reviews/Sprint03_Review.pptx
+++ b/Scrum_Unterlagen/Reviews/Sprint03_Review.pptx
@@ -231,7 +231,7 @@
             </a:pPr>
             <a:fld id="{3953DA5E-C6E2-4FA2-8BC8-7FF9A5EB6734}" type="datetimeFigureOut">
               <a:rPr lang="de-DE"/>
-              <a:t>12.04.2023</a:t>
+              <a:t>19.04.2023</a:t>
             </a:fld>
             <a:endParaRPr lang="de-DE"/>
           </a:p>
@@ -412,7 +412,7 @@
           <a:p>
             <a:fld id="{88DE360A-102B-474E-BEC0-79AC7566E430}" type="datetimeFigureOut">
               <a:rPr lang="en-US" smtClean="0"/>
-              <a:t>4/12/2023</a:t>
+              <a:t>4/19/2023</a:t>
             </a:fld>
             <a:endParaRPr lang="en-US"/>
           </a:p>
@@ -5105,7 +5105,7 @@
           <p:nvPr>
             <p:extLst>
               <p:ext uri="{D42A27DB-BD31-4B8C-83A1-F6EECF244321}">
-                <p14:modId xmlns:p14="http://schemas.microsoft.com/office/powerpoint/2010/main" val="476026842"/>
+                <p14:modId xmlns:p14="http://schemas.microsoft.com/office/powerpoint/2010/main" val="2287814449"/>
               </p:ext>
             </p:extLst>
           </p:nvPr>
@@ -5448,7 +5448,10 @@
                         <a:rPr lang="de-AT" dirty="0" err="1"/>
                         <a:t>Broukx</a:t>
                       </a:r>
-                      <a:endParaRPr lang="de-AT" dirty="0"/>
+                      <a:r>
+                        <a:rPr lang="de-AT" dirty="0"/>
+                        <a:t>, Hagenhofer</a:t>
+                      </a:r>
                     </a:p>
                   </a:txBody>
                   <a:tcPr/>
